--- a/Well-Being/Documentação/ApresentacaoProjetoIndividual.pptx
+++ b/Well-Being/Documentação/ApresentacaoProjetoIndividual.pptx
@@ -7,7 +7,9 @@
   <p:sldIdLst>
     <p:sldId id="256" r:id="rId2"/>
     <p:sldId id="257" r:id="rId3"/>
-    <p:sldId id="258" r:id="rId4"/>
+    <p:sldId id="260" r:id="rId4"/>
+    <p:sldId id="259" r:id="rId5"/>
+    <p:sldId id="261" r:id="rId6"/>
   </p:sldIdLst>
   <p:sldSz cx="12192000" cy="6858000"/>
   <p:notesSz cx="6858000" cy="9144000"/>
@@ -106,6 +108,11 @@
       </a:defRPr>
     </a:lvl9pPr>
   </p:defaultTextStyle>
+  <p:extLst>
+    <p:ext uri="{EFAFB233-063F-42B5-8137-9DF3F51BA10A}">
+      <p15:sldGuideLst xmlns:p15="http://schemas.microsoft.com/office/powerpoint/2012/main"/>
+    </p:ext>
+  </p:extLst>
 </p:presentation>
 </file>
 
@@ -256,7 +263,7 @@
           <a:p>
             <a:fld id="{CF1D4483-BF55-47DE-BB44-E425732A52C3}" type="datetimeFigureOut">
               <a:rPr lang="pt-BR" smtClean="0"/>
-              <a:t>27/05/2024</a:t>
+              <a:t>10/06/2024</a:t>
             </a:fld>
             <a:endParaRPr lang="pt-BR"/>
           </a:p>
@@ -454,7 +461,7 @@
           <a:p>
             <a:fld id="{CF1D4483-BF55-47DE-BB44-E425732A52C3}" type="datetimeFigureOut">
               <a:rPr lang="pt-BR" smtClean="0"/>
-              <a:t>27/05/2024</a:t>
+              <a:t>10/06/2024</a:t>
             </a:fld>
             <a:endParaRPr lang="pt-BR"/>
           </a:p>
@@ -662,7 +669,7 @@
           <a:p>
             <a:fld id="{CF1D4483-BF55-47DE-BB44-E425732A52C3}" type="datetimeFigureOut">
               <a:rPr lang="pt-BR" smtClean="0"/>
-              <a:t>27/05/2024</a:t>
+              <a:t>10/06/2024</a:t>
             </a:fld>
             <a:endParaRPr lang="pt-BR"/>
           </a:p>
@@ -860,7 +867,7 @@
           <a:p>
             <a:fld id="{CF1D4483-BF55-47DE-BB44-E425732A52C3}" type="datetimeFigureOut">
               <a:rPr lang="pt-BR" smtClean="0"/>
-              <a:t>27/05/2024</a:t>
+              <a:t>10/06/2024</a:t>
             </a:fld>
             <a:endParaRPr lang="pt-BR"/>
           </a:p>
@@ -1135,7 +1142,7 @@
           <a:p>
             <a:fld id="{CF1D4483-BF55-47DE-BB44-E425732A52C3}" type="datetimeFigureOut">
               <a:rPr lang="pt-BR" smtClean="0"/>
-              <a:t>27/05/2024</a:t>
+              <a:t>10/06/2024</a:t>
             </a:fld>
             <a:endParaRPr lang="pt-BR"/>
           </a:p>
@@ -1400,7 +1407,7 @@
           <a:p>
             <a:fld id="{CF1D4483-BF55-47DE-BB44-E425732A52C3}" type="datetimeFigureOut">
               <a:rPr lang="pt-BR" smtClean="0"/>
-              <a:t>27/05/2024</a:t>
+              <a:t>10/06/2024</a:t>
             </a:fld>
             <a:endParaRPr lang="pt-BR"/>
           </a:p>
@@ -1812,7 +1819,7 @@
           <a:p>
             <a:fld id="{CF1D4483-BF55-47DE-BB44-E425732A52C3}" type="datetimeFigureOut">
               <a:rPr lang="pt-BR" smtClean="0"/>
-              <a:t>27/05/2024</a:t>
+              <a:t>10/06/2024</a:t>
             </a:fld>
             <a:endParaRPr lang="pt-BR"/>
           </a:p>
@@ -1953,7 +1960,7 @@
           <a:p>
             <a:fld id="{CF1D4483-BF55-47DE-BB44-E425732A52C3}" type="datetimeFigureOut">
               <a:rPr lang="pt-BR" smtClean="0"/>
-              <a:t>27/05/2024</a:t>
+              <a:t>10/06/2024</a:t>
             </a:fld>
             <a:endParaRPr lang="pt-BR"/>
           </a:p>
@@ -2066,7 +2073,7 @@
           <a:p>
             <a:fld id="{CF1D4483-BF55-47DE-BB44-E425732A52C3}" type="datetimeFigureOut">
               <a:rPr lang="pt-BR" smtClean="0"/>
-              <a:t>27/05/2024</a:t>
+              <a:t>10/06/2024</a:t>
             </a:fld>
             <a:endParaRPr lang="pt-BR"/>
           </a:p>
@@ -2377,7 +2384,7 @@
           <a:p>
             <a:fld id="{CF1D4483-BF55-47DE-BB44-E425732A52C3}" type="datetimeFigureOut">
               <a:rPr lang="pt-BR" smtClean="0"/>
-              <a:t>27/05/2024</a:t>
+              <a:t>10/06/2024</a:t>
             </a:fld>
             <a:endParaRPr lang="pt-BR"/>
           </a:p>
@@ -2665,7 +2672,7 @@
           <a:p>
             <a:fld id="{CF1D4483-BF55-47DE-BB44-E425732A52C3}" type="datetimeFigureOut">
               <a:rPr lang="pt-BR" smtClean="0"/>
-              <a:t>27/05/2024</a:t>
+              <a:t>10/06/2024</a:t>
             </a:fld>
             <a:endParaRPr lang="pt-BR"/>
           </a:p>
@@ -2906,7 +2913,7 @@
           <a:p>
             <a:fld id="{CF1D4483-BF55-47DE-BB44-E425732A52C3}" type="datetimeFigureOut">
               <a:rPr lang="pt-BR" smtClean="0"/>
-              <a:t>27/05/2024</a:t>
+              <a:t>10/06/2024</a:t>
             </a:fld>
             <a:endParaRPr lang="pt-BR"/>
           </a:p>
@@ -3333,6 +3340,63 @@
       </p:grpSpPr>
       <p:sp>
         <p:nvSpPr>
+          <p:cNvPr id="2" name="Retângulo 1">
+            <a:extLst>
+              <a:ext uri="{FF2B5EF4-FFF2-40B4-BE49-F238E27FC236}">
+                <a16:creationId xmlns:a16="http://schemas.microsoft.com/office/drawing/2014/main" id="{9AA6DECA-7327-359E-181A-8F2BD1FFF883}"/>
+              </a:ext>
+            </a:extLst>
+          </p:cNvPr>
+          <p:cNvSpPr/>
+          <p:nvPr/>
+        </p:nvSpPr>
+        <p:spPr>
+          <a:xfrm>
+            <a:off x="629248" y="319314"/>
+            <a:ext cx="10933503" cy="6219371"/>
+          </a:xfrm>
+          <a:prstGeom prst="rect">
+            <a:avLst/>
+          </a:prstGeom>
+          <a:solidFill>
+            <a:schemeClr val="tx1">
+              <a:lumMod val="75000"/>
+              <a:lumOff val="25000"/>
+            </a:schemeClr>
+          </a:solidFill>
+          <a:ln>
+            <a:solidFill>
+              <a:srgbClr val="7A6920"/>
+            </a:solidFill>
+          </a:ln>
+        </p:spPr>
+        <p:style>
+          <a:lnRef idx="2">
+            <a:schemeClr val="accent1">
+              <a:shade val="15000"/>
+            </a:schemeClr>
+          </a:lnRef>
+          <a:fillRef idx="1">
+            <a:schemeClr val="accent1"/>
+          </a:fillRef>
+          <a:effectRef idx="0">
+            <a:schemeClr val="accent1"/>
+          </a:effectRef>
+          <a:fontRef idx="minor">
+            <a:schemeClr val="lt1"/>
+          </a:fontRef>
+        </p:style>
+        <p:txBody>
+          <a:bodyPr rtlCol="0" anchor="ctr"/>
+          <a:lstStyle/>
+          <a:p>
+            <a:pPr algn="ctr"/>
+            <a:endParaRPr lang="pt-BR"/>
+          </a:p>
+        </p:txBody>
+      </p:sp>
+      <p:sp>
+        <p:nvSpPr>
           <p:cNvPr id="4" name="Retângulo 3">
             <a:extLst>
               <a:ext uri="{FF2B5EF4-FFF2-40B4-BE49-F238E27FC236}">
@@ -3433,8 +3497,8 @@
         </p:blipFill>
         <p:spPr>
           <a:xfrm>
-            <a:off x="5054967" y="2035220"/>
-            <a:ext cx="2082066" cy="2787559"/>
+            <a:off x="5316656" y="2385581"/>
+            <a:ext cx="1558687" cy="2086837"/>
           </a:xfrm>
           <a:prstGeom prst="rect">
             <a:avLst/>
@@ -3570,10 +3634,10 @@
       </p:pic>
       <p:sp>
         <p:nvSpPr>
-          <p:cNvPr id="2" name="Retângulo 1">
-            <a:extLst>
-              <a:ext uri="{FF2B5EF4-FFF2-40B4-BE49-F238E27FC236}">
-                <a16:creationId xmlns:a16="http://schemas.microsoft.com/office/drawing/2014/main" id="{5C65080A-BBB2-E667-44F6-876DE81D478C}"/>
+          <p:cNvPr id="7" name="Retângulo 6">
+            <a:extLst>
+              <a:ext uri="{FF2B5EF4-FFF2-40B4-BE49-F238E27FC236}">
+                <a16:creationId xmlns:a16="http://schemas.microsoft.com/office/drawing/2014/main" id="{3BC221B3-9AD0-022E-E1D0-F84DF18811D2}"/>
               </a:ext>
             </a:extLst>
           </p:cNvPr>
@@ -3582,8 +3646,65 @@
         </p:nvSpPr>
         <p:spPr>
           <a:xfrm>
-            <a:off x="3287377" y="780240"/>
-            <a:ext cx="5617242" cy="4247317"/>
+            <a:off x="629245" y="638629"/>
+            <a:ext cx="10933503" cy="6219371"/>
+          </a:xfrm>
+          <a:prstGeom prst="rect">
+            <a:avLst/>
+          </a:prstGeom>
+          <a:solidFill>
+            <a:schemeClr val="tx1">
+              <a:lumMod val="75000"/>
+              <a:lumOff val="25000"/>
+            </a:schemeClr>
+          </a:solidFill>
+          <a:ln>
+            <a:solidFill>
+              <a:srgbClr val="7A6920"/>
+            </a:solidFill>
+          </a:ln>
+        </p:spPr>
+        <p:style>
+          <a:lnRef idx="2">
+            <a:schemeClr val="accent1">
+              <a:shade val="15000"/>
+            </a:schemeClr>
+          </a:lnRef>
+          <a:fillRef idx="1">
+            <a:schemeClr val="accent1"/>
+          </a:fillRef>
+          <a:effectRef idx="0">
+            <a:schemeClr val="accent1"/>
+          </a:effectRef>
+          <a:fontRef idx="minor">
+            <a:schemeClr val="lt1"/>
+          </a:fontRef>
+        </p:style>
+        <p:txBody>
+          <a:bodyPr rtlCol="0" anchor="ctr"/>
+          <a:lstStyle/>
+          <a:p>
+            <a:pPr algn="ctr"/>
+            <a:endParaRPr lang="pt-BR"/>
+          </a:p>
+        </p:txBody>
+      </p:sp>
+      <p:sp>
+        <p:nvSpPr>
+          <p:cNvPr id="2" name="Retângulo 1">
+            <a:extLst>
+              <a:ext uri="{FF2B5EF4-FFF2-40B4-BE49-F238E27FC236}">
+                <a16:creationId xmlns:a16="http://schemas.microsoft.com/office/drawing/2014/main" id="{5C65080A-BBB2-E667-44F6-876DE81D478C}"/>
+              </a:ext>
+            </a:extLst>
+          </p:cNvPr>
+          <p:cNvSpPr/>
+          <p:nvPr/>
+        </p:nvSpPr>
+        <p:spPr>
+          <a:xfrm>
+            <a:off x="3938995" y="1023068"/>
+            <a:ext cx="4314001" cy="3477875"/>
           </a:xfrm>
           <a:prstGeom prst="rect">
             <a:avLst/>
@@ -3596,12 +3717,12 @@
           </a:bodyPr>
           <a:lstStyle/>
           <a:p>
-            <a:pPr marL="857250" indent="-857250" algn="ctr">
+            <a:pPr marL="571500" indent="-571500" algn="ctr">
               <a:buFont typeface="Arial" panose="020B0604020202020204" pitchFamily="34" charset="0"/>
               <a:buChar char="•"/>
             </a:pPr>
             <a:r>
-              <a:rPr lang="pt-BR" sz="5400" b="1" cap="none" spc="0" dirty="0">
+              <a:rPr lang="pt-BR" sz="4400" b="1" cap="none" spc="0" dirty="0">
                 <a:ln w="9525">
                   <a:solidFill>
                     <a:srgbClr val="1E1F22"/>
@@ -3611,23 +3732,16 @@
                 <a:solidFill>
                   <a:srgbClr val="B59D30"/>
                 </a:solidFill>
-                <a:effectLst>
-                  <a:outerShdw blurRad="12700" dist="38100" dir="2700000" algn="tl" rotWithShape="0">
-                    <a:schemeClr val="bg1">
-                      <a:lumMod val="50000"/>
-                    </a:schemeClr>
-                  </a:outerShdw>
-                </a:effectLst>
               </a:rPr>
-              <a:t>Por que?;</a:t>
-            </a:r>
-          </a:p>
-          <a:p>
-            <a:pPr marL="857250" indent="-857250" algn="ctr">
+              <a:t>Por que?</a:t>
+            </a:r>
+          </a:p>
+          <a:p>
+            <a:pPr marL="571500" indent="-571500" algn="ctr">
               <a:buFont typeface="Arial" panose="020B0604020202020204" pitchFamily="34" charset="0"/>
               <a:buChar char="•"/>
             </a:pPr>
-            <a:endParaRPr lang="pt-BR" sz="5400" b="1" dirty="0">
+            <a:endParaRPr lang="pt-BR" sz="4400" b="1" dirty="0">
               <a:ln w="9525">
                 <a:solidFill>
                   <a:srgbClr val="1E1F22"/>
@@ -3637,22 +3751,15 @@
               <a:solidFill>
                 <a:srgbClr val="B59D30"/>
               </a:solidFill>
-              <a:effectLst>
-                <a:outerShdw blurRad="12700" dist="38100" dir="2700000" algn="tl" rotWithShape="0">
-                  <a:schemeClr val="bg1">
-                    <a:lumMod val="50000"/>
-                  </a:schemeClr>
-                </a:outerShdw>
-              </a:effectLst>
             </a:endParaRPr>
           </a:p>
           <a:p>
-            <a:pPr marL="857250" indent="-857250" algn="ctr">
+            <a:pPr marL="571500" indent="-571500" algn="ctr">
               <a:buFont typeface="Arial" panose="020B0604020202020204" pitchFamily="34" charset="0"/>
               <a:buChar char="•"/>
             </a:pPr>
             <a:r>
-              <a:rPr lang="pt-BR" sz="5400" b="1" cap="none" spc="0" dirty="0">
+              <a:rPr lang="pt-BR" sz="4400" b="1" cap="none" spc="0" dirty="0">
                 <a:ln w="9525">
                   <a:solidFill>
                     <a:srgbClr val="1E1F22"/>
@@ -3662,23 +3769,16 @@
                 <a:solidFill>
                   <a:srgbClr val="B59D30"/>
                 </a:solidFill>
-                <a:effectLst>
-                  <a:outerShdw blurRad="12700" dist="38100" dir="2700000" algn="tl" rotWithShape="0">
-                    <a:schemeClr val="bg1">
-                      <a:lumMod val="50000"/>
-                    </a:schemeClr>
-                  </a:outerShdw>
-                </a:effectLst>
               </a:rPr>
-              <a:t>Maior Desafio;</a:t>
-            </a:r>
-          </a:p>
-          <a:p>
-            <a:pPr marL="857250" indent="-857250" algn="ctr">
+              <a:t>Maior Desafio</a:t>
+            </a:r>
+          </a:p>
+          <a:p>
+            <a:pPr marL="571500" indent="-571500" algn="ctr">
               <a:buFont typeface="Arial" panose="020B0604020202020204" pitchFamily="34" charset="0"/>
               <a:buChar char="•"/>
             </a:pPr>
-            <a:endParaRPr lang="pt-BR" sz="5400" b="1" dirty="0">
+            <a:endParaRPr lang="pt-BR" sz="4400" b="1" dirty="0">
               <a:ln w="9525">
                 <a:solidFill>
                   <a:srgbClr val="1E1F22"/>
@@ -3688,22 +3788,15 @@
               <a:solidFill>
                 <a:srgbClr val="B59D30"/>
               </a:solidFill>
-              <a:effectLst>
-                <a:outerShdw blurRad="12700" dist="38100" dir="2700000" algn="tl" rotWithShape="0">
-                  <a:schemeClr val="bg1">
-                    <a:lumMod val="50000"/>
-                  </a:schemeClr>
-                </a:outerShdw>
-              </a:effectLst>
             </a:endParaRPr>
           </a:p>
           <a:p>
-            <a:pPr marL="857250" indent="-857250" algn="ctr">
+            <a:pPr marL="571500" indent="-571500">
               <a:buFont typeface="Arial" panose="020B0604020202020204" pitchFamily="34" charset="0"/>
               <a:buChar char="•"/>
             </a:pPr>
             <a:r>
-              <a:rPr lang="pt-BR" sz="5400" b="1" cap="none" spc="0" dirty="0">
+              <a:rPr lang="pt-BR" sz="4400" b="1" cap="none" spc="0" dirty="0">
                 <a:ln w="9525">
                   <a:solidFill>
                     <a:srgbClr val="1E1F22"/>
@@ -3713,15 +3806,8 @@
                 <a:solidFill>
                   <a:srgbClr val="B59D30"/>
                 </a:solidFill>
-                <a:effectLst>
-                  <a:outerShdw blurRad="12700" dist="38100" dir="2700000" algn="tl" rotWithShape="0">
-                    <a:schemeClr val="bg1">
-                      <a:lumMod val="50000"/>
-                    </a:schemeClr>
-                  </a:outerShdw>
-                </a:effectLst>
               </a:rPr>
-              <a:t>ODS.</a:t>
+              <a:t>ODS</a:t>
             </a:r>
           </a:p>
         </p:txBody>
@@ -3762,6 +3848,53 @@
           </a:prstGeom>
         </p:spPr>
       </p:pic>
+      <p:pic>
+        <p:nvPicPr>
+          <p:cNvPr id="1026" name="Picture 2" descr="ODS-3 – PNUD – Agenda 2030 Oeste do Paraná">
+            <a:extLst>
+              <a:ext uri="{FF2B5EF4-FFF2-40B4-BE49-F238E27FC236}">
+                <a16:creationId xmlns:a16="http://schemas.microsoft.com/office/drawing/2014/main" id="{BA5F309A-815E-626F-8997-D238733DC8CA}"/>
+              </a:ext>
+            </a:extLst>
+          </p:cNvPr>
+          <p:cNvPicPr>
+            <a:picLocks noChangeAspect="1" noChangeArrowheads="1"/>
+          </p:cNvPicPr>
+          <p:nvPr/>
+        </p:nvPicPr>
+        <p:blipFill>
+          <a:blip r:embed="rId4">
+            <a:extLst>
+              <a:ext uri="{28A0092B-C50C-407E-A947-70E740481C1C}">
+                <a14:useLocalDpi xmlns:a14="http://schemas.microsoft.com/office/drawing/2010/main" val="0"/>
+              </a:ext>
+            </a:extLst>
+          </a:blip>
+          <a:srcRect/>
+          <a:stretch>
+            <a:fillRect/>
+          </a:stretch>
+        </p:blipFill>
+        <p:spPr bwMode="auto">
+          <a:xfrm>
+            <a:off x="6746692" y="3429000"/>
+            <a:ext cx="1330509" cy="1336449"/>
+          </a:xfrm>
+          <a:prstGeom prst="rect">
+            <a:avLst/>
+          </a:prstGeom>
+          <a:noFill/>
+          <a:extLst>
+            <a:ext uri="{909E8E84-426E-40DD-AFC4-6F175D3DCCD1}">
+              <a14:hiddenFill xmlns:a14="http://schemas.microsoft.com/office/drawing/2010/main">
+                <a:solidFill>
+                  <a:srgbClr val="FFFFFF"/>
+                </a:solidFill>
+              </a14:hiddenFill>
+            </a:ext>
+          </a:extLst>
+        </p:spPr>
+      </p:pic>
     </p:spTree>
     <p:extLst>
       <p:ext uri="{BB962C8B-B14F-4D97-AF65-F5344CB8AC3E}">
@@ -3772,13 +3905,13 @@
   <p:clrMapOvr>
     <a:masterClrMapping/>
   </p:clrMapOvr>
-  <mc:AlternateContent xmlns:mc="http://schemas.openxmlformats.org/markup-compatibility/2006">
-    <mc:Choice xmlns:p159="http://schemas.microsoft.com/office/powerpoint/2015/09/main" Requires="p159">
+  <mc:AlternateContent xmlns:mc="http://schemas.openxmlformats.org/markup-compatibility/2006" xmlns:p159="http://schemas.microsoft.com/office/powerpoint/2015/09/main">
+    <mc:Choice Requires="p159">
       <p:transition xmlns:p14="http://schemas.microsoft.com/office/powerpoint/2010/main" spd="slow" p14:dur="2000">
         <p159:morph option="byObject"/>
       </p:transition>
     </mc:Choice>
-    <mc:Fallback>
+    <mc:Fallback xmlns="">
       <p:transition spd="slow">
         <p:fade/>
       </p:transition>
@@ -3888,6 +4021,87 @@
                                   </p:childTnLst>
                                 </p:cTn>
                               </p:par>
+                              <p:par>
+                                <p:cTn id="10" presetID="53" presetClass="entr" presetSubtype="16" fill="hold" nodeType="withEffect">
+                                  <p:stCondLst>
+                                    <p:cond delay="0"/>
+                                  </p:stCondLst>
+                                  <p:childTnLst>
+                                    <p:set>
+                                      <p:cBhvr>
+                                        <p:cTn id="11" dur="1" fill="hold">
+                                          <p:stCondLst>
+                                            <p:cond delay="0"/>
+                                          </p:stCondLst>
+                                        </p:cTn>
+                                        <p:tgtEl>
+                                          <p:spTgt spid="1026"/>
+                                        </p:tgtEl>
+                                        <p:attrNameLst>
+                                          <p:attrName>style.visibility</p:attrName>
+                                        </p:attrNameLst>
+                                      </p:cBhvr>
+                                      <p:to>
+                                        <p:strVal val="visible"/>
+                                      </p:to>
+                                    </p:set>
+                                    <p:anim calcmode="lin" valueType="num">
+                                      <p:cBhvr>
+                                        <p:cTn id="12" dur="500" fill="hold"/>
+                                        <p:tgtEl>
+                                          <p:spTgt spid="1026"/>
+                                        </p:tgtEl>
+                                        <p:attrNameLst>
+                                          <p:attrName>ppt_w</p:attrName>
+                                        </p:attrNameLst>
+                                      </p:cBhvr>
+                                      <p:tavLst>
+                                        <p:tav tm="0">
+                                          <p:val>
+                                            <p:fltVal val="0"/>
+                                          </p:val>
+                                        </p:tav>
+                                        <p:tav tm="100000">
+                                          <p:val>
+                                            <p:strVal val="#ppt_w"/>
+                                          </p:val>
+                                        </p:tav>
+                                      </p:tavLst>
+                                    </p:anim>
+                                    <p:anim calcmode="lin" valueType="num">
+                                      <p:cBhvr>
+                                        <p:cTn id="13" dur="500" fill="hold"/>
+                                        <p:tgtEl>
+                                          <p:spTgt spid="1026"/>
+                                        </p:tgtEl>
+                                        <p:attrNameLst>
+                                          <p:attrName>ppt_h</p:attrName>
+                                        </p:attrNameLst>
+                                      </p:cBhvr>
+                                      <p:tavLst>
+                                        <p:tav tm="0">
+                                          <p:val>
+                                            <p:fltVal val="0"/>
+                                          </p:val>
+                                        </p:tav>
+                                        <p:tav tm="100000">
+                                          <p:val>
+                                            <p:strVal val="#ppt_h"/>
+                                          </p:val>
+                                        </p:tav>
+                                      </p:tavLst>
+                                    </p:anim>
+                                    <p:animEffect transition="in" filter="fade">
+                                      <p:cBhvr>
+                                        <p:cTn id="14" dur="500"/>
+                                        <p:tgtEl>
+                                          <p:spTgt spid="1026"/>
+                                        </p:tgtEl>
+                                      </p:cBhvr>
+                                    </p:animEffect>
+                                  </p:childTnLst>
+                                </p:cTn>
+                              </p:par>
                             </p:childTnLst>
                           </p:cTn>
                         </p:par>
@@ -4551,8 +4765,550 @@
         </p:blipFill>
         <p:spPr>
           <a:xfrm>
-            <a:off x="1263577" y="2083009"/>
-            <a:ext cx="9664846" cy="2512859"/>
+            <a:off x="3130343" y="523107"/>
+            <a:ext cx="5949589" cy="1546893"/>
+          </a:xfrm>
+          <a:prstGeom prst="rect">
+            <a:avLst/>
+          </a:prstGeom>
+        </p:spPr>
+      </p:pic>
+      <p:sp>
+        <p:nvSpPr>
+          <p:cNvPr id="4" name="Retângulo 3">
+            <a:extLst>
+              <a:ext uri="{FF2B5EF4-FFF2-40B4-BE49-F238E27FC236}">
+                <a16:creationId xmlns:a16="http://schemas.microsoft.com/office/drawing/2014/main" id="{791AED70-2E09-C601-15E5-CA85F23459E6}"/>
+              </a:ext>
+            </a:extLst>
+          </p:cNvPr>
+          <p:cNvSpPr/>
+          <p:nvPr/>
+        </p:nvSpPr>
+        <p:spPr>
+          <a:xfrm>
+            <a:off x="3543382" y="1669011"/>
+            <a:ext cx="4669503" cy="923330"/>
+          </a:xfrm>
+          <a:prstGeom prst="rect">
+            <a:avLst/>
+          </a:prstGeom>
+          <a:noFill/>
+        </p:spPr>
+        <p:txBody>
+          <a:bodyPr wrap="square" lIns="91440" tIns="45720" rIns="91440" bIns="45720">
+            <a:spAutoFit/>
+          </a:bodyPr>
+          <a:lstStyle/>
+          <a:p>
+            <a:pPr algn="ctr"/>
+            <a:r>
+              <a:rPr lang="pt-BR" sz="5400" b="1" dirty="0">
+                <a:ln w="9525">
+                  <a:solidFill>
+                    <a:srgbClr val="1E1F22"/>
+                  </a:solidFill>
+                  <a:prstDash val="solid"/>
+                </a:ln>
+                <a:solidFill>
+                  <a:srgbClr val="B59D30"/>
+                </a:solidFill>
+              </a:rPr>
+              <a:t>Site</a:t>
+            </a:r>
+            <a:endParaRPr lang="pt-BR" sz="5400" b="1" cap="none" spc="0" dirty="0">
+              <a:ln w="9525">
+                <a:solidFill>
+                  <a:srgbClr val="1E1F22"/>
+                </a:solidFill>
+                <a:prstDash val="solid"/>
+              </a:ln>
+              <a:solidFill>
+                <a:srgbClr val="B59D30"/>
+              </a:solidFill>
+            </a:endParaRPr>
+          </a:p>
+        </p:txBody>
+      </p:sp>
+      <p:pic>
+        <p:nvPicPr>
+          <p:cNvPr id="12" name="Imagem 11">
+            <a:extLst>
+              <a:ext uri="{FF2B5EF4-FFF2-40B4-BE49-F238E27FC236}">
+                <a16:creationId xmlns:a16="http://schemas.microsoft.com/office/drawing/2014/main" id="{6ADC06E0-924D-50CA-A307-9A81007910D5}"/>
+              </a:ext>
+            </a:extLst>
+          </p:cNvPr>
+          <p:cNvPicPr>
+            <a:picLocks noChangeAspect="1"/>
+          </p:cNvPicPr>
+          <p:nvPr/>
+        </p:nvPicPr>
+        <p:blipFill>
+          <a:blip r:embed="rId3"/>
+          <a:stretch>
+            <a:fillRect/>
+          </a:stretch>
+        </p:blipFill>
+        <p:spPr>
+          <a:xfrm>
+            <a:off x="842312" y="3875314"/>
+            <a:ext cx="5402140" cy="1895688"/>
+          </a:xfrm>
+          <a:prstGeom prst="rect">
+            <a:avLst/>
+          </a:prstGeom>
+          <a:ln w="38100" cap="sq">
+            <a:solidFill>
+              <a:srgbClr val="000000"/>
+            </a:solidFill>
+            <a:prstDash val="solid"/>
+            <a:miter lim="800000"/>
+          </a:ln>
+          <a:effectLst>
+            <a:outerShdw blurRad="50800" dist="38100" dir="2700000" algn="tl" rotWithShape="0">
+              <a:srgbClr val="000000">
+                <a:alpha val="43000"/>
+              </a:srgbClr>
+            </a:outerShdw>
+          </a:effectLst>
+        </p:spPr>
+      </p:pic>
+      <p:pic>
+        <p:nvPicPr>
+          <p:cNvPr id="18" name="Imagem 17">
+            <a:extLst>
+              <a:ext uri="{FF2B5EF4-FFF2-40B4-BE49-F238E27FC236}">
+                <a16:creationId xmlns:a16="http://schemas.microsoft.com/office/drawing/2014/main" id="{F04F98E7-D859-4520-078B-DD0DD951333A}"/>
+              </a:ext>
+            </a:extLst>
+          </p:cNvPr>
+          <p:cNvPicPr>
+            <a:picLocks noChangeAspect="1"/>
+          </p:cNvPicPr>
+          <p:nvPr/>
+        </p:nvPicPr>
+        <p:blipFill>
+          <a:blip r:embed="rId4"/>
+          <a:stretch>
+            <a:fillRect/>
+          </a:stretch>
+        </p:blipFill>
+        <p:spPr>
+          <a:xfrm>
+            <a:off x="7147251" y="3805765"/>
+            <a:ext cx="4004390" cy="2034786"/>
+          </a:xfrm>
+          <a:prstGeom prst="rect">
+            <a:avLst/>
+          </a:prstGeom>
+          <a:ln w="38100" cap="sq">
+            <a:solidFill>
+              <a:srgbClr val="000000"/>
+            </a:solidFill>
+            <a:prstDash val="solid"/>
+            <a:miter lim="800000"/>
+          </a:ln>
+          <a:effectLst>
+            <a:outerShdw blurRad="50800" dist="38100" dir="2700000" algn="tl" rotWithShape="0">
+              <a:srgbClr val="000000">
+                <a:alpha val="43000"/>
+              </a:srgbClr>
+            </a:outerShdw>
+          </a:effectLst>
+        </p:spPr>
+      </p:pic>
+      <p:pic>
+        <p:nvPicPr>
+          <p:cNvPr id="6" name="Imagem 5">
+            <a:extLst>
+              <a:ext uri="{FF2B5EF4-FFF2-40B4-BE49-F238E27FC236}">
+                <a16:creationId xmlns:a16="http://schemas.microsoft.com/office/drawing/2014/main" id="{09786DA5-F4C0-DBAA-B467-4611C71AA512}"/>
+              </a:ext>
+            </a:extLst>
+          </p:cNvPr>
+          <p:cNvPicPr>
+            <a:picLocks noChangeAspect="1"/>
+          </p:cNvPicPr>
+          <p:nvPr/>
+        </p:nvPicPr>
+        <p:blipFill>
+          <a:blip r:embed="rId5"/>
+          <a:stretch>
+            <a:fillRect/>
+          </a:stretch>
+        </p:blipFill>
+        <p:spPr>
+          <a:xfrm>
+            <a:off x="3373396" y="2630822"/>
+            <a:ext cx="4669504" cy="1683054"/>
+          </a:xfrm>
+          <a:prstGeom prst="rect">
+            <a:avLst/>
+          </a:prstGeom>
+          <a:ln w="38100" cap="sq">
+            <a:solidFill>
+              <a:srgbClr val="000000"/>
+            </a:solidFill>
+            <a:prstDash val="solid"/>
+            <a:miter lim="800000"/>
+          </a:ln>
+          <a:effectLst>
+            <a:outerShdw blurRad="50800" dist="38100" dir="2700000" algn="tl" rotWithShape="0">
+              <a:srgbClr val="000000">
+                <a:alpha val="43000"/>
+              </a:srgbClr>
+            </a:outerShdw>
+          </a:effectLst>
+        </p:spPr>
+      </p:pic>
+    </p:spTree>
+    <p:extLst>
+      <p:ext uri="{BB962C8B-B14F-4D97-AF65-F5344CB8AC3E}">
+        <p14:creationId xmlns:p14="http://schemas.microsoft.com/office/powerpoint/2010/main" val="696607063"/>
+      </p:ext>
+    </p:extLst>
+  </p:cSld>
+  <p:clrMapOvr>
+    <a:masterClrMapping/>
+  </p:clrMapOvr>
+  <mc:AlternateContent xmlns:mc="http://schemas.openxmlformats.org/markup-compatibility/2006">
+    <mc:Choice xmlns:p159="http://schemas.microsoft.com/office/powerpoint/2015/09/main" Requires="p159">
+      <p:transition xmlns:p14="http://schemas.microsoft.com/office/powerpoint/2010/main" spd="slow" p14:dur="2000">
+        <p159:morph option="byObject"/>
+      </p:transition>
+    </mc:Choice>
+    <mc:Fallback>
+      <p:transition spd="slow">
+        <p:fade/>
+      </p:transition>
+    </mc:Fallback>
+  </mc:AlternateContent>
+</p:sld>
+</file>
+
+<file path=ppt/slides/slide4.xml><?xml version="1.0" encoding="utf-8"?>
+<p:sld xmlns:a="http://schemas.openxmlformats.org/drawingml/2006/main" xmlns:r="http://schemas.openxmlformats.org/officeDocument/2006/relationships" xmlns:p="http://schemas.openxmlformats.org/presentationml/2006/main">
+  <p:cSld>
+    <p:bg>
+      <p:bgPr>
+        <a:solidFill>
+          <a:srgbClr val="1E1F22"/>
+        </a:solidFill>
+        <a:effectLst/>
+      </p:bgPr>
+    </p:bg>
+    <p:spTree>
+      <p:nvGrpSpPr>
+        <p:cNvPr id="1" name=""/>
+        <p:cNvGrpSpPr/>
+        <p:nvPr/>
+      </p:nvGrpSpPr>
+      <p:grpSpPr>
+        <a:xfrm>
+          <a:off x="0" y="0"/>
+          <a:ext cx="0" cy="0"/>
+          <a:chOff x="0" y="0"/>
+          <a:chExt cx="0" cy="0"/>
+        </a:xfrm>
+      </p:grpSpPr>
+      <p:sp>
+        <p:nvSpPr>
+          <p:cNvPr id="7" name="Retângulo 6">
+            <a:extLst>
+              <a:ext uri="{FF2B5EF4-FFF2-40B4-BE49-F238E27FC236}">
+                <a16:creationId xmlns:a16="http://schemas.microsoft.com/office/drawing/2014/main" id="{3BC221B3-9AD0-022E-E1D0-F84DF18811D2}"/>
+              </a:ext>
+            </a:extLst>
+          </p:cNvPr>
+          <p:cNvSpPr/>
+          <p:nvPr/>
+        </p:nvSpPr>
+        <p:spPr>
+          <a:xfrm>
+            <a:off x="629245" y="638630"/>
+            <a:ext cx="10967669" cy="5580742"/>
+          </a:xfrm>
+          <a:prstGeom prst="rect">
+            <a:avLst/>
+          </a:prstGeom>
+          <a:solidFill>
+            <a:schemeClr val="tx1">
+              <a:lumMod val="75000"/>
+              <a:lumOff val="25000"/>
+            </a:schemeClr>
+          </a:solidFill>
+          <a:ln>
+            <a:solidFill>
+              <a:srgbClr val="7A6920"/>
+            </a:solidFill>
+          </a:ln>
+        </p:spPr>
+        <p:style>
+          <a:lnRef idx="2">
+            <a:schemeClr val="accent1">
+              <a:shade val="15000"/>
+            </a:schemeClr>
+          </a:lnRef>
+          <a:fillRef idx="1">
+            <a:schemeClr val="accent1"/>
+          </a:fillRef>
+          <a:effectRef idx="0">
+            <a:schemeClr val="accent1"/>
+          </a:effectRef>
+          <a:fontRef idx="minor">
+            <a:schemeClr val="lt1"/>
+          </a:fontRef>
+        </p:style>
+        <p:txBody>
+          <a:bodyPr rtlCol="0" anchor="ctr"/>
+          <a:lstStyle/>
+          <a:p>
+            <a:pPr algn="ctr"/>
+            <a:endParaRPr lang="pt-BR" dirty="0"/>
+          </a:p>
+        </p:txBody>
+      </p:sp>
+      <p:pic>
+        <p:nvPicPr>
+          <p:cNvPr id="5" name="Imagem 4" descr="Logotipo, Ícone&#10;&#10;Descrição gerada automaticamente">
+            <a:extLst>
+              <a:ext uri="{FF2B5EF4-FFF2-40B4-BE49-F238E27FC236}">
+                <a16:creationId xmlns:a16="http://schemas.microsoft.com/office/drawing/2014/main" id="{D87B1B06-E610-6504-4830-87E14F17B63F}"/>
+              </a:ext>
+            </a:extLst>
+          </p:cNvPr>
+          <p:cNvPicPr>
+            <a:picLocks noChangeAspect="1"/>
+          </p:cNvPicPr>
+          <p:nvPr/>
+        </p:nvPicPr>
+        <p:blipFill>
+          <a:blip r:embed="rId2">
+            <a:extLst>
+              <a:ext uri="{28A0092B-C50C-407E-A947-70E740481C1C}">
+                <a14:useLocalDpi xmlns:a14="http://schemas.microsoft.com/office/drawing/2010/main" val="0"/>
+              </a:ext>
+            </a:extLst>
+          </a:blip>
+          <a:stretch>
+            <a:fillRect/>
+          </a:stretch>
+        </p:blipFill>
+        <p:spPr>
+          <a:xfrm>
+            <a:off x="2912121" y="4762375"/>
+            <a:ext cx="6367747" cy="1659722"/>
+          </a:xfrm>
+          <a:prstGeom prst="rect">
+            <a:avLst/>
+          </a:prstGeom>
+        </p:spPr>
+      </p:pic>
+      <p:sp>
+        <p:nvSpPr>
+          <p:cNvPr id="3" name="Retângulo 2">
+            <a:extLst>
+              <a:ext uri="{FF2B5EF4-FFF2-40B4-BE49-F238E27FC236}">
+                <a16:creationId xmlns:a16="http://schemas.microsoft.com/office/drawing/2014/main" id="{3CA08C73-6BD7-76FF-F876-0CF0F8AE17DB}"/>
+              </a:ext>
+            </a:extLst>
+          </p:cNvPr>
+          <p:cNvSpPr/>
+          <p:nvPr/>
+        </p:nvSpPr>
+        <p:spPr>
+          <a:xfrm>
+            <a:off x="2215445" y="790839"/>
+            <a:ext cx="7761100" cy="769441"/>
+          </a:xfrm>
+          <a:prstGeom prst="rect">
+            <a:avLst/>
+          </a:prstGeom>
+          <a:noFill/>
+        </p:spPr>
+        <p:txBody>
+          <a:bodyPr wrap="none" lIns="91440" tIns="45720" rIns="91440" bIns="45720">
+            <a:spAutoFit/>
+          </a:bodyPr>
+          <a:lstStyle/>
+          <a:p>
+            <a:pPr algn="ctr"/>
+            <a:r>
+              <a:rPr lang="pt-BR" sz="4400" b="1" cap="none" spc="0" dirty="0">
+                <a:ln w="9525">
+                  <a:solidFill>
+                    <a:srgbClr val="1E1F22"/>
+                  </a:solidFill>
+                  <a:prstDash val="solid"/>
+                </a:ln>
+                <a:solidFill>
+                  <a:srgbClr val="B59D30"/>
+                </a:solidFill>
+              </a:rPr>
+              <a:t>Superação e agradecimentos </a:t>
+            </a:r>
+          </a:p>
+        </p:txBody>
+      </p:sp>
+      <p:pic>
+        <p:nvPicPr>
+          <p:cNvPr id="2050" name="Picture 2" descr="São Paulo Tech School">
+            <a:extLst>
+              <a:ext uri="{FF2B5EF4-FFF2-40B4-BE49-F238E27FC236}">
+                <a16:creationId xmlns:a16="http://schemas.microsoft.com/office/drawing/2014/main" id="{F54E1CD1-4D1E-D3CB-4954-AE0C2B823185}"/>
+              </a:ext>
+            </a:extLst>
+          </p:cNvPr>
+          <p:cNvPicPr>
+            <a:picLocks noChangeAspect="1" noChangeArrowheads="1"/>
+          </p:cNvPicPr>
+          <p:nvPr/>
+        </p:nvPicPr>
+        <p:blipFill>
+          <a:blip r:embed="rId3">
+            <a:extLst>
+              <a:ext uri="{28A0092B-C50C-407E-A947-70E740481C1C}">
+                <a14:useLocalDpi xmlns:a14="http://schemas.microsoft.com/office/drawing/2010/main" val="0"/>
+              </a:ext>
+            </a:extLst>
+          </a:blip>
+          <a:srcRect/>
+          <a:stretch>
+            <a:fillRect/>
+          </a:stretch>
+        </p:blipFill>
+        <p:spPr bwMode="auto">
+          <a:xfrm>
+            <a:off x="8096655" y="1721651"/>
+            <a:ext cx="1659723" cy="1659723"/>
+          </a:xfrm>
+          <a:prstGeom prst="rect">
+            <a:avLst/>
+          </a:prstGeom>
+          <a:noFill/>
+          <a:extLst>
+            <a:ext uri="{909E8E84-426E-40DD-AFC4-6F175D3DCCD1}">
+              <a14:hiddenFill xmlns:a14="http://schemas.microsoft.com/office/drawing/2010/main">
+                <a:solidFill>
+                  <a:srgbClr val="FFFFFF"/>
+                </a:solidFill>
+              </a14:hiddenFill>
+            </a:ext>
+          </a:extLst>
+        </p:spPr>
+      </p:pic>
+      <p:sp>
+        <p:nvSpPr>
+          <p:cNvPr id="4" name="AutoShape 4">
+            <a:extLst>
+              <a:ext uri="{FF2B5EF4-FFF2-40B4-BE49-F238E27FC236}">
+                <a16:creationId xmlns:a16="http://schemas.microsoft.com/office/drawing/2014/main" id="{1620989D-DFC2-57EA-BFC1-03430A940BAA}"/>
+              </a:ext>
+            </a:extLst>
+          </p:cNvPr>
+          <p:cNvSpPr>
+            <a:spLocks noChangeAspect="1" noChangeArrowheads="1"/>
+          </p:cNvSpPr>
+          <p:nvPr/>
+        </p:nvSpPr>
+        <p:spPr bwMode="auto">
+          <a:xfrm>
+            <a:off x="5943600" y="3276600"/>
+            <a:ext cx="304800" cy="304800"/>
+          </a:xfrm>
+          <a:prstGeom prst="rect">
+            <a:avLst/>
+          </a:prstGeom>
+          <a:noFill/>
+          <a:extLst>
+            <a:ext uri="{909E8E84-426E-40DD-AFC4-6F175D3DCCD1}">
+              <a14:hiddenFill xmlns:a14="http://schemas.microsoft.com/office/drawing/2010/main">
+                <a:solidFill>
+                  <a:srgbClr val="FFFFFF"/>
+                </a:solidFill>
+              </a14:hiddenFill>
+            </a:ext>
+          </a:extLst>
+        </p:spPr>
+        <p:txBody>
+          <a:bodyPr vert="horz" wrap="square" lIns="91440" tIns="45720" rIns="91440" bIns="45720" numCol="1" anchor="t" anchorCtr="0" compatLnSpc="1">
+            <a:prstTxWarp prst="textNoShape">
+              <a:avLst/>
+            </a:prstTxWarp>
+          </a:bodyPr>
+          <a:lstStyle/>
+          <a:p>
+            <a:endParaRPr lang="pt-BR"/>
+          </a:p>
+        </p:txBody>
+      </p:sp>
+      <p:pic>
+        <p:nvPicPr>
+          <p:cNvPr id="9" name="Imagem 8" descr="Pessoas sorrindo posando para foto&#10;&#10;Descrição gerada automaticamente">
+            <a:extLst>
+              <a:ext uri="{FF2B5EF4-FFF2-40B4-BE49-F238E27FC236}">
+                <a16:creationId xmlns:a16="http://schemas.microsoft.com/office/drawing/2014/main" id="{BEC4CA1B-B769-2BB3-2710-1BF1E641636C}"/>
+              </a:ext>
+            </a:extLst>
+          </p:cNvPr>
+          <p:cNvPicPr>
+            <a:picLocks noChangeAspect="1"/>
+          </p:cNvPicPr>
+          <p:nvPr/>
+        </p:nvPicPr>
+        <p:blipFill>
+          <a:blip r:embed="rId4">
+            <a:extLst>
+              <a:ext uri="{28A0092B-C50C-407E-A947-70E740481C1C}">
+                <a14:useLocalDpi xmlns:a14="http://schemas.microsoft.com/office/drawing/2010/main" val="0"/>
+              </a:ext>
+            </a:extLst>
+          </a:blip>
+          <a:stretch>
+            <a:fillRect/>
+          </a:stretch>
+        </p:blipFill>
+        <p:spPr>
+          <a:xfrm>
+            <a:off x="1757771" y="1946806"/>
+            <a:ext cx="2153055" cy="1209411"/>
+          </a:xfrm>
+          <a:prstGeom prst="rect">
+            <a:avLst/>
+          </a:prstGeom>
+        </p:spPr>
+      </p:pic>
+      <p:pic>
+        <p:nvPicPr>
+          <p:cNvPr id="11" name="Imagem 10" descr="Pessoas de óculos posando para foto&#10;&#10;Descrição gerada automaticamente">
+            <a:extLst>
+              <a:ext uri="{FF2B5EF4-FFF2-40B4-BE49-F238E27FC236}">
+                <a16:creationId xmlns:a16="http://schemas.microsoft.com/office/drawing/2014/main" id="{B844C3AF-CE2D-B7B7-D573-99B7B45B7563}"/>
+              </a:ext>
+            </a:extLst>
+          </p:cNvPr>
+          <p:cNvPicPr>
+            <a:picLocks noChangeAspect="1"/>
+          </p:cNvPicPr>
+          <p:nvPr/>
+        </p:nvPicPr>
+        <p:blipFill>
+          <a:blip r:embed="rId5">
+            <a:extLst>
+              <a:ext uri="{28A0092B-C50C-407E-A947-70E740481C1C}">
+                <a14:useLocalDpi xmlns:a14="http://schemas.microsoft.com/office/drawing/2010/main" val="0"/>
+              </a:ext>
+            </a:extLst>
+          </a:blip>
+          <a:stretch>
+            <a:fillRect/>
+          </a:stretch>
+        </p:blipFill>
+        <p:spPr>
+          <a:xfrm>
+            <a:off x="4867072" y="3276600"/>
+            <a:ext cx="2153055" cy="1545627"/>
           </a:xfrm>
           <a:prstGeom prst="rect">
             <a:avLst/>
@@ -4562,7 +5318,7 @@
     </p:spTree>
     <p:extLst>
       <p:ext uri="{BB962C8B-B14F-4D97-AF65-F5344CB8AC3E}">
-        <p14:creationId xmlns:p14="http://schemas.microsoft.com/office/powerpoint/2010/main" val="837147504"/>
+        <p14:creationId xmlns:p14="http://schemas.microsoft.com/office/powerpoint/2010/main" val="4059114591"/>
       </p:ext>
     </p:extLst>
   </p:cSld>
@@ -4570,14 +5326,337 @@
     <a:masterClrMapping/>
   </p:clrMapOvr>
   <mc:AlternateContent xmlns:mc="http://schemas.openxmlformats.org/markup-compatibility/2006">
-    <mc:Choice xmlns:p14="http://schemas.microsoft.com/office/powerpoint/2010/main" Requires="p14">
-      <p:transition spd="slow" p14:dur="1500">
-        <p:split orient="vert"/>
+    <mc:Choice xmlns:p159="http://schemas.microsoft.com/office/powerpoint/2015/09/main" Requires="p159">
+      <p:transition xmlns:p14="http://schemas.microsoft.com/office/powerpoint/2010/main" spd="slow" p14:dur="2000">
+        <p159:morph option="byObject"/>
       </p:transition>
     </mc:Choice>
     <mc:Fallback>
       <p:transition spd="slow">
-        <p:split orient="vert"/>
+        <p:fade/>
+      </p:transition>
+    </mc:Fallback>
+  </mc:AlternateContent>
+  <p:timing>
+    <p:tnLst>
+      <p:par>
+        <p:cTn id="1" dur="indefinite" restart="never" nodeType="tmRoot">
+          <p:childTnLst>
+            <p:seq concurrent="1" nextAc="seek">
+              <p:cTn id="2" dur="indefinite" nodeType="mainSeq">
+                <p:childTnLst>
+                  <p:par>
+                    <p:cTn id="3" fill="hold">
+                      <p:stCondLst>
+                        <p:cond delay="indefinite"/>
+                        <p:cond evt="onBegin" delay="0">
+                          <p:tn val="2"/>
+                        </p:cond>
+                      </p:stCondLst>
+                      <p:childTnLst>
+                        <p:par>
+                          <p:cTn id="4" fill="hold">
+                            <p:stCondLst>
+                              <p:cond delay="0"/>
+                            </p:stCondLst>
+                            <p:childTnLst>
+                              <p:par>
+                                <p:cTn id="5" presetID="53" presetClass="entr" presetSubtype="16" fill="hold" grpId="0" nodeType="withEffect">
+                                  <p:stCondLst>
+                                    <p:cond delay="0"/>
+                                  </p:stCondLst>
+                                  <p:childTnLst>
+                                    <p:set>
+                                      <p:cBhvr>
+                                        <p:cTn id="6" dur="1" fill="hold">
+                                          <p:stCondLst>
+                                            <p:cond delay="0"/>
+                                          </p:stCondLst>
+                                        </p:cTn>
+                                        <p:tgtEl>
+                                          <p:spTgt spid="3"/>
+                                        </p:tgtEl>
+                                        <p:attrNameLst>
+                                          <p:attrName>style.visibility</p:attrName>
+                                        </p:attrNameLst>
+                                      </p:cBhvr>
+                                      <p:to>
+                                        <p:strVal val="visible"/>
+                                      </p:to>
+                                    </p:set>
+                                    <p:anim calcmode="lin" valueType="num">
+                                      <p:cBhvr>
+                                        <p:cTn id="7" dur="500" fill="hold"/>
+                                        <p:tgtEl>
+                                          <p:spTgt spid="3"/>
+                                        </p:tgtEl>
+                                        <p:attrNameLst>
+                                          <p:attrName>ppt_w</p:attrName>
+                                        </p:attrNameLst>
+                                      </p:cBhvr>
+                                      <p:tavLst>
+                                        <p:tav tm="0">
+                                          <p:val>
+                                            <p:fltVal val="0"/>
+                                          </p:val>
+                                        </p:tav>
+                                        <p:tav tm="100000">
+                                          <p:val>
+                                            <p:strVal val="#ppt_w"/>
+                                          </p:val>
+                                        </p:tav>
+                                      </p:tavLst>
+                                    </p:anim>
+                                    <p:anim calcmode="lin" valueType="num">
+                                      <p:cBhvr>
+                                        <p:cTn id="8" dur="500" fill="hold"/>
+                                        <p:tgtEl>
+                                          <p:spTgt spid="3"/>
+                                        </p:tgtEl>
+                                        <p:attrNameLst>
+                                          <p:attrName>ppt_h</p:attrName>
+                                        </p:attrNameLst>
+                                      </p:cBhvr>
+                                      <p:tavLst>
+                                        <p:tav tm="0">
+                                          <p:val>
+                                            <p:fltVal val="0"/>
+                                          </p:val>
+                                        </p:tav>
+                                        <p:tav tm="100000">
+                                          <p:val>
+                                            <p:strVal val="#ppt_h"/>
+                                          </p:val>
+                                        </p:tav>
+                                      </p:tavLst>
+                                    </p:anim>
+                                    <p:animEffect transition="in" filter="fade">
+                                      <p:cBhvr>
+                                        <p:cTn id="9" dur="500"/>
+                                        <p:tgtEl>
+                                          <p:spTgt spid="3"/>
+                                        </p:tgtEl>
+                                      </p:cBhvr>
+                                    </p:animEffect>
+                                  </p:childTnLst>
+                                </p:cTn>
+                              </p:par>
+                            </p:childTnLst>
+                          </p:cTn>
+                        </p:par>
+                      </p:childTnLst>
+                    </p:cTn>
+                  </p:par>
+                </p:childTnLst>
+              </p:cTn>
+              <p:prevCondLst>
+                <p:cond evt="onPrev" delay="0">
+                  <p:tgtEl>
+                    <p:sldTgt/>
+                  </p:tgtEl>
+                </p:cond>
+              </p:prevCondLst>
+              <p:nextCondLst>
+                <p:cond evt="onNext" delay="0">
+                  <p:tgtEl>
+                    <p:sldTgt/>
+                  </p:tgtEl>
+                </p:cond>
+              </p:nextCondLst>
+            </p:seq>
+          </p:childTnLst>
+        </p:cTn>
+      </p:par>
+    </p:tnLst>
+    <p:bldLst>
+      <p:bldP spid="3" grpId="0"/>
+    </p:bldLst>
+  </p:timing>
+</p:sld>
+</file>
+
+<file path=ppt/slides/slide5.xml><?xml version="1.0" encoding="utf-8"?>
+<p:sld xmlns:a="http://schemas.openxmlformats.org/drawingml/2006/main" xmlns:r="http://schemas.openxmlformats.org/officeDocument/2006/relationships" xmlns:p="http://schemas.openxmlformats.org/presentationml/2006/main">
+  <p:cSld>
+    <p:bg>
+      <p:bgPr>
+        <a:solidFill>
+          <a:srgbClr val="1E1F22"/>
+        </a:solidFill>
+        <a:effectLst/>
+      </p:bgPr>
+    </p:bg>
+    <p:spTree>
+      <p:nvGrpSpPr>
+        <p:cNvPr id="1" name=""/>
+        <p:cNvGrpSpPr/>
+        <p:nvPr/>
+      </p:nvGrpSpPr>
+      <p:grpSpPr>
+        <a:xfrm>
+          <a:off x="0" y="0"/>
+          <a:ext cx="0" cy="0"/>
+          <a:chOff x="0" y="0"/>
+          <a:chExt cx="0" cy="0"/>
+        </a:xfrm>
+      </p:grpSpPr>
+      <p:sp>
+        <p:nvSpPr>
+          <p:cNvPr id="7" name="Retângulo 6">
+            <a:extLst>
+              <a:ext uri="{FF2B5EF4-FFF2-40B4-BE49-F238E27FC236}">
+                <a16:creationId xmlns:a16="http://schemas.microsoft.com/office/drawing/2014/main" id="{3BC221B3-9AD0-022E-E1D0-F84DF18811D2}"/>
+              </a:ext>
+            </a:extLst>
+          </p:cNvPr>
+          <p:cNvSpPr/>
+          <p:nvPr/>
+        </p:nvSpPr>
+        <p:spPr>
+          <a:xfrm>
+            <a:off x="629245" y="638630"/>
+            <a:ext cx="10967669" cy="5580742"/>
+          </a:xfrm>
+          <a:prstGeom prst="rect">
+            <a:avLst/>
+          </a:prstGeom>
+          <a:solidFill>
+            <a:schemeClr val="tx1">
+              <a:lumMod val="75000"/>
+              <a:lumOff val="25000"/>
+            </a:schemeClr>
+          </a:solidFill>
+          <a:ln>
+            <a:solidFill>
+              <a:srgbClr val="7A6920"/>
+            </a:solidFill>
+          </a:ln>
+        </p:spPr>
+        <p:style>
+          <a:lnRef idx="2">
+            <a:schemeClr val="accent1">
+              <a:shade val="15000"/>
+            </a:schemeClr>
+          </a:lnRef>
+          <a:fillRef idx="1">
+            <a:schemeClr val="accent1"/>
+          </a:fillRef>
+          <a:effectRef idx="0">
+            <a:schemeClr val="accent1"/>
+          </a:effectRef>
+          <a:fontRef idx="minor">
+            <a:schemeClr val="lt1"/>
+          </a:fontRef>
+        </p:style>
+        <p:txBody>
+          <a:bodyPr rtlCol="0" anchor="ctr"/>
+          <a:lstStyle/>
+          <a:p>
+            <a:pPr algn="ctr"/>
+            <a:endParaRPr lang="pt-BR" dirty="0"/>
+          </a:p>
+        </p:txBody>
+      </p:sp>
+      <p:pic>
+        <p:nvPicPr>
+          <p:cNvPr id="5" name="Imagem 4" descr="Logotipo, Ícone&#10;&#10;Descrição gerada automaticamente">
+            <a:extLst>
+              <a:ext uri="{FF2B5EF4-FFF2-40B4-BE49-F238E27FC236}">
+                <a16:creationId xmlns:a16="http://schemas.microsoft.com/office/drawing/2014/main" id="{D87B1B06-E610-6504-4830-87E14F17B63F}"/>
+              </a:ext>
+            </a:extLst>
+          </p:cNvPr>
+          <p:cNvPicPr>
+            <a:picLocks noChangeAspect="1"/>
+          </p:cNvPicPr>
+          <p:nvPr/>
+        </p:nvPicPr>
+        <p:blipFill>
+          <a:blip r:embed="rId2">
+            <a:extLst>
+              <a:ext uri="{28A0092B-C50C-407E-A947-70E740481C1C}">
+                <a14:useLocalDpi xmlns:a14="http://schemas.microsoft.com/office/drawing/2010/main" val="0"/>
+              </a:ext>
+            </a:extLst>
+          </a:blip>
+          <a:stretch>
+            <a:fillRect/>
+          </a:stretch>
+        </p:blipFill>
+        <p:spPr>
+          <a:xfrm>
+            <a:off x="1036577" y="1918164"/>
+            <a:ext cx="10423645" cy="2716872"/>
+          </a:xfrm>
+          <a:prstGeom prst="rect">
+            <a:avLst/>
+          </a:prstGeom>
+        </p:spPr>
+      </p:pic>
+      <p:sp>
+        <p:nvSpPr>
+          <p:cNvPr id="4" name="AutoShape 4">
+            <a:extLst>
+              <a:ext uri="{FF2B5EF4-FFF2-40B4-BE49-F238E27FC236}">
+                <a16:creationId xmlns:a16="http://schemas.microsoft.com/office/drawing/2014/main" id="{1620989D-DFC2-57EA-BFC1-03430A940BAA}"/>
+              </a:ext>
+            </a:extLst>
+          </p:cNvPr>
+          <p:cNvSpPr>
+            <a:spLocks noChangeAspect="1" noChangeArrowheads="1"/>
+          </p:cNvSpPr>
+          <p:nvPr/>
+        </p:nvSpPr>
+        <p:spPr bwMode="auto">
+          <a:xfrm>
+            <a:off x="5943600" y="3276600"/>
+            <a:ext cx="304800" cy="304800"/>
+          </a:xfrm>
+          <a:prstGeom prst="rect">
+            <a:avLst/>
+          </a:prstGeom>
+          <a:noFill/>
+          <a:extLst>
+            <a:ext uri="{909E8E84-426E-40DD-AFC4-6F175D3DCCD1}">
+              <a14:hiddenFill xmlns:a14="http://schemas.microsoft.com/office/drawing/2010/main">
+                <a:solidFill>
+                  <a:srgbClr val="FFFFFF"/>
+                </a:solidFill>
+              </a14:hiddenFill>
+            </a:ext>
+          </a:extLst>
+        </p:spPr>
+        <p:txBody>
+          <a:bodyPr vert="horz" wrap="square" lIns="91440" tIns="45720" rIns="91440" bIns="45720" numCol="1" anchor="t" anchorCtr="0" compatLnSpc="1">
+            <a:prstTxWarp prst="textNoShape">
+              <a:avLst/>
+            </a:prstTxWarp>
+          </a:bodyPr>
+          <a:lstStyle/>
+          <a:p>
+            <a:endParaRPr lang="pt-BR"/>
+          </a:p>
+        </p:txBody>
+      </p:sp>
+    </p:spTree>
+    <p:extLst>
+      <p:ext uri="{BB962C8B-B14F-4D97-AF65-F5344CB8AC3E}">
+        <p14:creationId xmlns:p14="http://schemas.microsoft.com/office/powerpoint/2010/main" val="2846414928"/>
+      </p:ext>
+    </p:extLst>
+  </p:cSld>
+  <p:clrMapOvr>
+    <a:masterClrMapping/>
+  </p:clrMapOvr>
+  <mc:AlternateContent xmlns:mc="http://schemas.openxmlformats.org/markup-compatibility/2006">
+    <mc:Choice xmlns:p159="http://schemas.microsoft.com/office/powerpoint/2015/09/main" Requires="p159">
+      <p:transition xmlns:p14="http://schemas.microsoft.com/office/powerpoint/2010/main" spd="slow" p14:dur="2000">
+        <p159:morph option="byObject"/>
+      </p:transition>
+    </mc:Choice>
+    <mc:Fallback>
+      <p:transition spd="slow">
+        <p:fade/>
       </p:transition>
     </mc:Fallback>
   </mc:AlternateContent>
